--- a/Talleres/Iinterpolacion Perro/Presentacion/Anexos.pptx
+++ b/Talleres/Iinterpolacion Perro/Presentacion/Anexos.pptx
@@ -8,7 +8,8 @@
     <p:sldId id="261" r:id="rId2"/>
     <p:sldId id="257" r:id="rId3"/>
     <p:sldId id="258" r:id="rId4"/>
-    <p:sldId id="259" r:id="rId5"/>
+    <p:sldId id="262" r:id="rId5"/>
+    <p:sldId id="259" r:id="rId6"/>
   </p:sldIdLst>
   <p:sldSz cx="12192000" cy="6858000"/>
   <p:notesSz cx="6858000" cy="9144000"/>
@@ -341,7 +342,7 @@
           <a:p>
             <a:fld id="{6FD06292-A68C-4A10-A8F4-DE8D990B60F9}" type="datetimeFigureOut">
               <a:rPr lang="es-419" smtClean="0"/>
-              <a:t>28/3/2019</a:t>
+              <a:t>30/3/2019</a:t>
             </a:fld>
             <a:endParaRPr lang="es-419"/>
           </a:p>
@@ -659,7 +660,7 @@
           <a:p>
             <a:fld id="{6FD06292-A68C-4A10-A8F4-DE8D990B60F9}" type="datetimeFigureOut">
               <a:rPr lang="es-419" smtClean="0"/>
-              <a:t>28/3/2019</a:t>
+              <a:t>30/3/2019</a:t>
             </a:fld>
             <a:endParaRPr lang="es-419"/>
           </a:p>
@@ -842,7 +843,7 @@
           <a:p>
             <a:fld id="{6FD06292-A68C-4A10-A8F4-DE8D990B60F9}" type="datetimeFigureOut">
               <a:rPr lang="es-419" smtClean="0"/>
-              <a:t>28/3/2019</a:t>
+              <a:t>30/3/2019</a:t>
             </a:fld>
             <a:endParaRPr lang="es-419"/>
           </a:p>
@@ -1035,7 +1036,7 @@
           <a:p>
             <a:fld id="{6FD06292-A68C-4A10-A8F4-DE8D990B60F9}" type="datetimeFigureOut">
               <a:rPr lang="es-419" smtClean="0"/>
-              <a:t>28/3/2019</a:t>
+              <a:t>30/3/2019</a:t>
             </a:fld>
             <a:endParaRPr lang="es-419"/>
           </a:p>
@@ -1309,7 +1310,7 @@
           <a:p>
             <a:fld id="{6FD06292-A68C-4A10-A8F4-DE8D990B60F9}" type="datetimeFigureOut">
               <a:rPr lang="es-419" smtClean="0"/>
-              <a:t>28/3/2019</a:t>
+              <a:t>30/3/2019</a:t>
             </a:fld>
             <a:endParaRPr lang="es-419"/>
           </a:p>
@@ -2378,7 +2379,7 @@
           <a:p>
             <a:fld id="{6FD06292-A68C-4A10-A8F4-DE8D990B60F9}" type="datetimeFigureOut">
               <a:rPr lang="es-419" smtClean="0"/>
-              <a:t>28/3/2019</a:t>
+              <a:t>30/3/2019</a:t>
             </a:fld>
             <a:endParaRPr lang="es-419"/>
           </a:p>
@@ -2693,7 +2694,7 @@
           <a:p>
             <a:fld id="{6FD06292-A68C-4A10-A8F4-DE8D990B60F9}" type="datetimeFigureOut">
               <a:rPr lang="es-419" smtClean="0"/>
-              <a:t>28/3/2019</a:t>
+              <a:t>30/3/2019</a:t>
             </a:fld>
             <a:endParaRPr lang="es-419"/>
           </a:p>
@@ -3074,7 +3075,7 @@
           <a:p>
             <a:fld id="{6FD06292-A68C-4A10-A8F4-DE8D990B60F9}" type="datetimeFigureOut">
               <a:rPr lang="es-419" smtClean="0"/>
-              <a:t>28/3/2019</a:t>
+              <a:t>30/3/2019</a:t>
             </a:fld>
             <a:endParaRPr lang="es-419"/>
           </a:p>
@@ -3205,7 +3206,7 @@
           <a:p>
             <a:fld id="{6FD06292-A68C-4A10-A8F4-DE8D990B60F9}" type="datetimeFigureOut">
               <a:rPr lang="es-419" smtClean="0"/>
-              <a:t>28/3/2019</a:t>
+              <a:t>30/3/2019</a:t>
             </a:fld>
             <a:endParaRPr lang="es-419"/>
           </a:p>
@@ -3312,7 +3313,7 @@
           <a:p>
             <a:fld id="{6FD06292-A68C-4A10-A8F4-DE8D990B60F9}" type="datetimeFigureOut">
               <a:rPr lang="es-419" smtClean="0"/>
-              <a:t>28/3/2019</a:t>
+              <a:t>30/3/2019</a:t>
             </a:fld>
             <a:endParaRPr lang="es-419"/>
           </a:p>
@@ -3604,7 +3605,7 @@
           <a:p>
             <a:fld id="{6FD06292-A68C-4A10-A8F4-DE8D990B60F9}" type="datetimeFigureOut">
               <a:rPr lang="es-419" smtClean="0"/>
-              <a:t>28/3/2019</a:t>
+              <a:t>30/3/2019</a:t>
             </a:fld>
             <a:endParaRPr lang="es-419"/>
           </a:p>
@@ -3857,7 +3858,7 @@
           <a:p>
             <a:fld id="{6FD06292-A68C-4A10-A8F4-DE8D990B60F9}" type="datetimeFigureOut">
               <a:rPr lang="es-419" smtClean="0"/>
-              <a:t>28/3/2019</a:t>
+              <a:t>30/3/2019</a:t>
             </a:fld>
             <a:endParaRPr lang="es-419"/>
           </a:p>
@@ -4488,7 +4489,7 @@
         <p:spPr>
           <a:xfrm>
             <a:off x="1515978" y="2847838"/>
-            <a:ext cx="3705727" cy="461665"/>
+            <a:ext cx="3705727" cy="830997"/>
           </a:xfrm>
           <a:prstGeom prst="rect">
             <a:avLst/>
@@ -4509,19 +4510,7 @@
               <a:rPr lang="es-419" sz="2400" dirty="0">
                 <a:hlinkClick r:id="rId3" action="ppaction://hlinksldjump"/>
               </a:rPr>
-              <a:t>Pruebas con </a:t>
-            </a:r>
-            <a:r>
-              <a:rPr lang="es-419" sz="2400" dirty="0" err="1">
-                <a:hlinkClick r:id="rId3" action="ppaction://hlinksldjump"/>
-              </a:rPr>
-              <a:t>Lagrange</a:t>
-            </a:r>
-            <a:r>
-              <a:rPr lang="es-419" sz="2400" dirty="0">
-                <a:hlinkClick r:id="rId3" action="ppaction://hlinksldjump"/>
-              </a:rPr>
-              <a:t> (2)</a:t>
+              <a:t>Pruebas con Lagrange (2)</a:t>
             </a:r>
             <a:endParaRPr lang="es-419" sz="2400" dirty="0"/>
           </a:p>
@@ -4541,7 +4530,7 @@
         </p:nvSpPr>
         <p:spPr>
           <a:xfrm>
-            <a:off x="1515978" y="3927034"/>
+            <a:off x="1515978" y="4522513"/>
             <a:ext cx="3392905" cy="461665"/>
           </a:xfrm>
           <a:prstGeom prst="rect">
@@ -4564,6 +4553,66 @@
                 <a:hlinkClick r:id="rId4" action="ppaction://hlinksldjump"/>
               </a:rPr>
               <a:t>Errores por Punto</a:t>
+            </a:r>
+            <a:endParaRPr lang="es-419" sz="2400" dirty="0"/>
+          </a:p>
+        </p:txBody>
+      </p:sp>
+      <p:sp>
+        <p:nvSpPr>
+          <p:cNvPr id="7" name="CuadroTexto 6">
+            <a:extLst>
+              <a:ext uri="{FF2B5EF4-FFF2-40B4-BE49-F238E27FC236}">
+                <a16:creationId xmlns:a16="http://schemas.microsoft.com/office/drawing/2014/main" id="{6CF1598E-3BF1-480B-A1AA-9623E22D062B}"/>
+              </a:ext>
+            </a:extLst>
+          </p:cNvPr>
+          <p:cNvSpPr txBox="1"/>
+          <p:nvPr/>
+        </p:nvSpPr>
+        <p:spPr>
+          <a:xfrm>
+            <a:off x="1515977" y="3891076"/>
+            <a:ext cx="9160045" cy="461665"/>
+          </a:xfrm>
+          <a:prstGeom prst="rect">
+            <a:avLst/>
+          </a:prstGeom>
+          <a:noFill/>
+        </p:spPr>
+        <p:txBody>
+          <a:bodyPr wrap="square" rtlCol="0">
+            <a:spAutoFit/>
+          </a:bodyPr>
+          <a:lstStyle/>
+          <a:p>
+            <a:pPr marL="342900" indent="-342900">
+              <a:buFont typeface="Arial" panose="020B0604020202020204" pitchFamily="34" charset="0"/>
+              <a:buChar char="•"/>
+            </a:pPr>
+            <a:r>
+              <a:rPr lang="es-ES" sz="2400" dirty="0">
+                <a:hlinkClick r:id="rId5" action="ppaction://hlinksldjump"/>
+              </a:rPr>
+              <a:t>Comparación de errores entre </a:t>
+            </a:r>
+            <a:r>
+              <a:rPr lang="es-ES" sz="2400" dirty="0" err="1">
+                <a:hlinkClick r:id="rId5" action="ppaction://hlinksldjump"/>
+              </a:rPr>
+              <a:t>Spline</a:t>
+            </a:r>
+            <a:r>
+              <a:rPr lang="es-ES" sz="2400" dirty="0">
+                <a:hlinkClick r:id="rId5" action="ppaction://hlinksldjump"/>
+              </a:rPr>
+              <a:t> y Lagrange </a:t>
+            </a:r>
+            <a:r>
+              <a:rPr lang="es-ES" sz="2400" dirty="0" err="1">
+                <a:hlinkClick r:id="rId5" action="ppaction://hlinksldjump"/>
+              </a:rPr>
+              <a:t>Baricentrico</a:t>
             </a:r>
             <a:endParaRPr lang="es-419" sz="2400" dirty="0"/>
           </a:p>
@@ -4815,6 +4864,439 @@
 </file>
 
 <file path=ppt/slides/slide4.xml><?xml version="1.0" encoding="utf-8"?>
+<p:sld xmlns:a="http://schemas.openxmlformats.org/drawingml/2006/main" xmlns:r="http://schemas.openxmlformats.org/officeDocument/2006/relationships" xmlns:p="http://schemas.openxmlformats.org/presentationml/2006/main">
+  <p:cSld>
+    <p:spTree>
+      <p:nvGrpSpPr>
+        <p:cNvPr id="1" name=""/>
+        <p:cNvGrpSpPr/>
+        <p:nvPr/>
+      </p:nvGrpSpPr>
+      <p:grpSpPr>
+        <a:xfrm>
+          <a:off x="0" y="0"/>
+          <a:ext cx="0" cy="0"/>
+          <a:chOff x="0" y="0"/>
+          <a:chExt cx="0" cy="0"/>
+        </a:xfrm>
+      </p:grpSpPr>
+      <p:sp>
+        <p:nvSpPr>
+          <p:cNvPr id="2" name="Título 1">
+            <a:extLst>
+              <a:ext uri="{FF2B5EF4-FFF2-40B4-BE49-F238E27FC236}">
+                <a16:creationId xmlns:a16="http://schemas.microsoft.com/office/drawing/2014/main" id="{BEABB169-51EB-4997-975C-77EAD9757108}"/>
+              </a:ext>
+            </a:extLst>
+          </p:cNvPr>
+          <p:cNvSpPr>
+            <a:spLocks noGrp="1"/>
+          </p:cNvSpPr>
+          <p:nvPr>
+            <p:ph type="title"/>
+          </p:nvPr>
+        </p:nvSpPr>
+        <p:spPr/>
+        <p:txBody>
+          <a:bodyPr/>
+          <a:lstStyle/>
+          <a:p>
+            <a:r>
+              <a:rPr lang="es-ES" dirty="0"/>
+              <a:t>Comparación de errores entre </a:t>
+            </a:r>
+            <a:r>
+              <a:rPr lang="es-ES" dirty="0" err="1"/>
+              <a:t>Spline</a:t>
+            </a:r>
+            <a:r>
+              <a:rPr lang="es-ES" dirty="0"/>
+              <a:t> y Lagrange </a:t>
+            </a:r>
+            <a:r>
+              <a:rPr lang="es-ES" dirty="0" err="1"/>
+              <a:t>Baricentrico</a:t>
+            </a:r>
+            <a:endParaRPr lang="es-CO" dirty="0"/>
+          </a:p>
+        </p:txBody>
+      </p:sp>
+      <p:pic>
+        <p:nvPicPr>
+          <p:cNvPr id="5" name="Imagen 4">
+            <a:extLst>
+              <a:ext uri="{FF2B5EF4-FFF2-40B4-BE49-F238E27FC236}">
+                <a16:creationId xmlns:a16="http://schemas.microsoft.com/office/drawing/2014/main" id="{F4649B76-F0AF-418B-91AF-A0D7732DEF3E}"/>
+              </a:ext>
+            </a:extLst>
+          </p:cNvPr>
+          <p:cNvPicPr>
+            <a:picLocks noChangeAspect="1"/>
+          </p:cNvPicPr>
+          <p:nvPr/>
+        </p:nvPicPr>
+        <p:blipFill>
+          <a:blip r:embed="rId2">
+            <a:extLst>
+              <a:ext uri="{28A0092B-C50C-407E-A947-70E740481C1C}">
+                <a14:useLocalDpi xmlns:a14="http://schemas.microsoft.com/office/drawing/2010/main" val="0"/>
+              </a:ext>
+            </a:extLst>
+          </a:blip>
+          <a:stretch>
+            <a:fillRect/>
+          </a:stretch>
+        </p:blipFill>
+        <p:spPr>
+          <a:xfrm>
+            <a:off x="2034753" y="1519204"/>
+            <a:ext cx="8122493" cy="4788831"/>
+          </a:xfrm>
+          <a:prstGeom prst="rect">
+            <a:avLst/>
+          </a:prstGeom>
+        </p:spPr>
+      </p:pic>
+      <p:sp>
+        <p:nvSpPr>
+          <p:cNvPr id="6" name="CuadroTexto 5">
+            <a:extLst>
+              <a:ext uri="{FF2B5EF4-FFF2-40B4-BE49-F238E27FC236}">
+                <a16:creationId xmlns:a16="http://schemas.microsoft.com/office/drawing/2014/main" id="{198D5DDF-2CC9-432C-A6D5-B86963D011F5}"/>
+              </a:ext>
+            </a:extLst>
+          </p:cNvPr>
+          <p:cNvSpPr txBox="1"/>
+          <p:nvPr/>
+        </p:nvSpPr>
+        <p:spPr>
+          <a:xfrm>
+            <a:off x="1104900" y="1652490"/>
+            <a:ext cx="4090958" cy="707886"/>
+          </a:xfrm>
+          <a:prstGeom prst="rect">
+            <a:avLst/>
+          </a:prstGeom>
+          <a:noFill/>
+        </p:spPr>
+        <p:txBody>
+          <a:bodyPr wrap="square" rtlCol="0">
+            <a:spAutoFit/>
+          </a:bodyPr>
+          <a:lstStyle/>
+          <a:p>
+            <a:r>
+              <a:rPr lang="es-419" sz="2000" b="1" dirty="0">
+                <a:solidFill>
+                  <a:srgbClr val="0070C0"/>
+                </a:solidFill>
+              </a:rPr>
+              <a:t>Puntos </a:t>
+            </a:r>
+            <a:r>
+              <a:rPr lang="es-419" sz="2000" b="1" dirty="0" err="1">
+                <a:solidFill>
+                  <a:srgbClr val="0070C0"/>
+                </a:solidFill>
+              </a:rPr>
+              <a:t>Spline</a:t>
+            </a:r>
+            <a:endParaRPr lang="es-419" sz="2000" b="1" dirty="0">
+              <a:solidFill>
+                <a:srgbClr val="0070C0"/>
+              </a:solidFill>
+            </a:endParaRPr>
+          </a:p>
+          <a:p>
+            <a:r>
+              <a:rPr lang="es-419" sz="2000" b="1" dirty="0">
+                <a:solidFill>
+                  <a:schemeClr val="tx2"/>
+                </a:solidFill>
+              </a:rPr>
+              <a:t>Puntos Lagrange </a:t>
+            </a:r>
+            <a:r>
+              <a:rPr lang="es-419" sz="2000" b="1" dirty="0" err="1">
+                <a:solidFill>
+                  <a:schemeClr val="tx2"/>
+                </a:solidFill>
+              </a:rPr>
+              <a:t>Baricentrico</a:t>
+            </a:r>
+            <a:endParaRPr lang="es-419" sz="2000" b="1" dirty="0">
+              <a:solidFill>
+                <a:schemeClr val="tx2"/>
+              </a:solidFill>
+            </a:endParaRPr>
+          </a:p>
+        </p:txBody>
+      </p:sp>
+    </p:spTree>
+    <p:extLst>
+      <p:ext uri="{BB962C8B-B14F-4D97-AF65-F5344CB8AC3E}">
+        <p14:creationId xmlns:p14="http://schemas.microsoft.com/office/powerpoint/2010/main" val="108112036"/>
+      </p:ext>
+    </p:extLst>
+  </p:cSld>
+  <p:clrMapOvr>
+    <a:masterClrMapping/>
+  </p:clrMapOvr>
+  <mc:AlternateContent xmlns:mc="http://schemas.openxmlformats.org/markup-compatibility/2006" xmlns:p14="http://schemas.microsoft.com/office/powerpoint/2010/main">
+    <mc:Choice Requires="p14">
+      <p:transition spd="med" p14:dur="700">
+        <p:fade/>
+      </p:transition>
+    </mc:Choice>
+    <mc:Fallback xmlns="">
+      <p:transition spd="med">
+        <p:fade/>
+      </p:transition>
+    </mc:Fallback>
+  </mc:AlternateContent>
+  <p:timing>
+    <p:tnLst>
+      <p:par>
+        <p:cTn id="1" dur="indefinite" restart="never" nodeType="tmRoot">
+          <p:childTnLst>
+            <p:seq concurrent="1" nextAc="seek">
+              <p:cTn id="2" dur="indefinite" nodeType="mainSeq">
+                <p:childTnLst>
+                  <p:par>
+                    <p:cTn id="3" fill="hold">
+                      <p:stCondLst>
+                        <p:cond delay="indefinite"/>
+                      </p:stCondLst>
+                      <p:childTnLst>
+                        <p:par>
+                          <p:cTn id="4" fill="hold">
+                            <p:stCondLst>
+                              <p:cond delay="0"/>
+                            </p:stCondLst>
+                            <p:childTnLst>
+                              <p:par>
+                                <p:cTn id="5" presetID="2" presetClass="entr" presetSubtype="2" fill="hold" grpId="0" nodeType="clickEffect">
+                                  <p:stCondLst>
+                                    <p:cond delay="0"/>
+                                  </p:stCondLst>
+                                  <p:childTnLst>
+                                    <p:set>
+                                      <p:cBhvr>
+                                        <p:cTn id="6" dur="1" fill="hold">
+                                          <p:stCondLst>
+                                            <p:cond delay="0"/>
+                                          </p:stCondLst>
+                                        </p:cTn>
+                                        <p:tgtEl>
+                                          <p:spTgt spid="6">
+                                            <p:txEl>
+                                              <p:pRg st="0" end="0"/>
+                                            </p:txEl>
+                                          </p:spTgt>
+                                        </p:tgtEl>
+                                        <p:attrNameLst>
+                                          <p:attrName>style.visibility</p:attrName>
+                                        </p:attrNameLst>
+                                      </p:cBhvr>
+                                      <p:to>
+                                        <p:strVal val="visible"/>
+                                      </p:to>
+                                    </p:set>
+                                    <p:anim calcmode="lin" valueType="num">
+                                      <p:cBhvr additive="base">
+                                        <p:cTn id="7" dur="500" fill="hold"/>
+                                        <p:tgtEl>
+                                          <p:spTgt spid="6">
+                                            <p:txEl>
+                                              <p:pRg st="0" end="0"/>
+                                            </p:txEl>
+                                          </p:spTgt>
+                                        </p:tgtEl>
+                                        <p:attrNameLst>
+                                          <p:attrName>ppt_x</p:attrName>
+                                        </p:attrNameLst>
+                                      </p:cBhvr>
+                                      <p:tavLst>
+                                        <p:tav tm="0">
+                                          <p:val>
+                                            <p:strVal val="1+#ppt_w/2"/>
+                                          </p:val>
+                                        </p:tav>
+                                        <p:tav tm="100000">
+                                          <p:val>
+                                            <p:strVal val="#ppt_x"/>
+                                          </p:val>
+                                        </p:tav>
+                                      </p:tavLst>
+                                    </p:anim>
+                                    <p:anim calcmode="lin" valueType="num">
+                                      <p:cBhvr additive="base">
+                                        <p:cTn id="8" dur="500" fill="hold"/>
+                                        <p:tgtEl>
+                                          <p:spTgt spid="6">
+                                            <p:txEl>
+                                              <p:pRg st="0" end="0"/>
+                                            </p:txEl>
+                                          </p:spTgt>
+                                        </p:tgtEl>
+                                        <p:attrNameLst>
+                                          <p:attrName>ppt_y</p:attrName>
+                                        </p:attrNameLst>
+                                      </p:cBhvr>
+                                      <p:tavLst>
+                                        <p:tav tm="0">
+                                          <p:val>
+                                            <p:strVal val="#ppt_y"/>
+                                          </p:val>
+                                        </p:tav>
+                                        <p:tav tm="100000">
+                                          <p:val>
+                                            <p:strVal val="#ppt_y"/>
+                                          </p:val>
+                                        </p:tav>
+                                      </p:tavLst>
+                                    </p:anim>
+                                  </p:childTnLst>
+                                </p:cTn>
+                              </p:par>
+                            </p:childTnLst>
+                          </p:cTn>
+                        </p:par>
+                      </p:childTnLst>
+                    </p:cTn>
+                  </p:par>
+                  <p:par>
+                    <p:cTn id="9" fill="hold">
+                      <p:stCondLst>
+                        <p:cond delay="indefinite"/>
+                      </p:stCondLst>
+                      <p:childTnLst>
+                        <p:par>
+                          <p:cTn id="10" fill="hold">
+                            <p:stCondLst>
+                              <p:cond delay="0"/>
+                            </p:stCondLst>
+                            <p:childTnLst>
+                              <p:par>
+                                <p:cTn id="11" presetID="2" presetClass="entr" presetSubtype="2" fill="hold" grpId="0" nodeType="clickEffect">
+                                  <p:stCondLst>
+                                    <p:cond delay="0"/>
+                                  </p:stCondLst>
+                                  <p:childTnLst>
+                                    <p:set>
+                                      <p:cBhvr>
+                                        <p:cTn id="12" dur="1" fill="hold">
+                                          <p:stCondLst>
+                                            <p:cond delay="0"/>
+                                          </p:stCondLst>
+                                        </p:cTn>
+                                        <p:tgtEl>
+                                          <p:spTgt spid="6">
+                                            <p:txEl>
+                                              <p:pRg st="1" end="1"/>
+                                            </p:txEl>
+                                          </p:spTgt>
+                                        </p:tgtEl>
+                                        <p:attrNameLst>
+                                          <p:attrName>style.visibility</p:attrName>
+                                        </p:attrNameLst>
+                                      </p:cBhvr>
+                                      <p:to>
+                                        <p:strVal val="visible"/>
+                                      </p:to>
+                                    </p:set>
+                                    <p:anim calcmode="lin" valueType="num">
+                                      <p:cBhvr additive="base">
+                                        <p:cTn id="13" dur="500" fill="hold"/>
+                                        <p:tgtEl>
+                                          <p:spTgt spid="6">
+                                            <p:txEl>
+                                              <p:pRg st="1" end="1"/>
+                                            </p:txEl>
+                                          </p:spTgt>
+                                        </p:tgtEl>
+                                        <p:attrNameLst>
+                                          <p:attrName>ppt_x</p:attrName>
+                                        </p:attrNameLst>
+                                      </p:cBhvr>
+                                      <p:tavLst>
+                                        <p:tav tm="0">
+                                          <p:val>
+                                            <p:strVal val="1+#ppt_w/2"/>
+                                          </p:val>
+                                        </p:tav>
+                                        <p:tav tm="100000">
+                                          <p:val>
+                                            <p:strVal val="#ppt_x"/>
+                                          </p:val>
+                                        </p:tav>
+                                      </p:tavLst>
+                                    </p:anim>
+                                    <p:anim calcmode="lin" valueType="num">
+                                      <p:cBhvr additive="base">
+                                        <p:cTn id="14" dur="500" fill="hold"/>
+                                        <p:tgtEl>
+                                          <p:spTgt spid="6">
+                                            <p:txEl>
+                                              <p:pRg st="1" end="1"/>
+                                            </p:txEl>
+                                          </p:spTgt>
+                                        </p:tgtEl>
+                                        <p:attrNameLst>
+                                          <p:attrName>ppt_y</p:attrName>
+                                        </p:attrNameLst>
+                                      </p:cBhvr>
+                                      <p:tavLst>
+                                        <p:tav tm="0">
+                                          <p:val>
+                                            <p:strVal val="#ppt_y"/>
+                                          </p:val>
+                                        </p:tav>
+                                        <p:tav tm="100000">
+                                          <p:val>
+                                            <p:strVal val="#ppt_y"/>
+                                          </p:val>
+                                        </p:tav>
+                                      </p:tavLst>
+                                    </p:anim>
+                                  </p:childTnLst>
+                                </p:cTn>
+                              </p:par>
+                            </p:childTnLst>
+                          </p:cTn>
+                        </p:par>
+                      </p:childTnLst>
+                    </p:cTn>
+                  </p:par>
+                </p:childTnLst>
+              </p:cTn>
+              <p:prevCondLst>
+                <p:cond evt="onPrev" delay="0">
+                  <p:tgtEl>
+                    <p:sldTgt/>
+                  </p:tgtEl>
+                </p:cond>
+              </p:prevCondLst>
+              <p:nextCondLst>
+                <p:cond evt="onNext" delay="0">
+                  <p:tgtEl>
+                    <p:sldTgt/>
+                  </p:tgtEl>
+                </p:cond>
+              </p:nextCondLst>
+            </p:seq>
+          </p:childTnLst>
+        </p:cTn>
+      </p:par>
+    </p:tnLst>
+    <p:bldLst>
+      <p:bldP spid="6" grpId="0" uiExpand="1" build="p"/>
+    </p:bldLst>
+  </p:timing>
+</p:sld>
+</file>
+
+<file path=ppt/slides/slide5.xml><?xml version="1.0" encoding="utf-8"?>
 <p:sld xmlns:a="http://schemas.openxmlformats.org/drawingml/2006/main" xmlns:r="http://schemas.openxmlformats.org/officeDocument/2006/relationships" xmlns:p="http://schemas.openxmlformats.org/presentationml/2006/main">
   <p:cSld>
     <p:spTree>
